--- a/界面设计.pptx
+++ b/界面设计.pptx
@@ -104,6 +104,11 @@
       </a:defRPr>
     </a:lvl9pPr>
   </p:defaultTextStyle>
+  <p:extLst>
+    <p:ext uri="{EFAFB233-063F-42B5-8137-9DF3F51BA10A}">
+      <p15:sldGuideLst xmlns:p15="http://schemas.microsoft.com/office/powerpoint/2012/main"/>
+    </p:ext>
+  </p:extLst>
 </p:presentation>
 </file>
 
@@ -254,7 +259,7 @@
           <a:p>
             <a:fld id="{D353366B-0090-45AA-8DC7-EDB1C505C7F8}" type="datetimeFigureOut">
               <a:rPr lang="zh-CN" altLang="en-US" smtClean="0"/>
-              <a:t>2024/9/2</a:t>
+              <a:t>2024/9/3</a:t>
             </a:fld>
             <a:endParaRPr lang="zh-CN" altLang="en-US"/>
           </a:p>
@@ -452,7 +457,7 @@
           <a:p>
             <a:fld id="{D353366B-0090-45AA-8DC7-EDB1C505C7F8}" type="datetimeFigureOut">
               <a:rPr lang="zh-CN" altLang="en-US" smtClean="0"/>
-              <a:t>2024/9/2</a:t>
+              <a:t>2024/9/3</a:t>
             </a:fld>
             <a:endParaRPr lang="zh-CN" altLang="en-US"/>
           </a:p>
@@ -660,7 +665,7 @@
           <a:p>
             <a:fld id="{D353366B-0090-45AA-8DC7-EDB1C505C7F8}" type="datetimeFigureOut">
               <a:rPr lang="zh-CN" altLang="en-US" smtClean="0"/>
-              <a:t>2024/9/2</a:t>
+              <a:t>2024/9/3</a:t>
             </a:fld>
             <a:endParaRPr lang="zh-CN" altLang="en-US"/>
           </a:p>
@@ -858,7 +863,7 @@
           <a:p>
             <a:fld id="{D353366B-0090-45AA-8DC7-EDB1C505C7F8}" type="datetimeFigureOut">
               <a:rPr lang="zh-CN" altLang="en-US" smtClean="0"/>
-              <a:t>2024/9/2</a:t>
+              <a:t>2024/9/3</a:t>
             </a:fld>
             <a:endParaRPr lang="zh-CN" altLang="en-US"/>
           </a:p>
@@ -1133,7 +1138,7 @@
           <a:p>
             <a:fld id="{D353366B-0090-45AA-8DC7-EDB1C505C7F8}" type="datetimeFigureOut">
               <a:rPr lang="zh-CN" altLang="en-US" smtClean="0"/>
-              <a:t>2024/9/2</a:t>
+              <a:t>2024/9/3</a:t>
             </a:fld>
             <a:endParaRPr lang="zh-CN" altLang="en-US"/>
           </a:p>
@@ -1398,7 +1403,7 @@
           <a:p>
             <a:fld id="{D353366B-0090-45AA-8DC7-EDB1C505C7F8}" type="datetimeFigureOut">
               <a:rPr lang="zh-CN" altLang="en-US" smtClean="0"/>
-              <a:t>2024/9/2</a:t>
+              <a:t>2024/9/3</a:t>
             </a:fld>
             <a:endParaRPr lang="zh-CN" altLang="en-US"/>
           </a:p>
@@ -1810,7 +1815,7 @@
           <a:p>
             <a:fld id="{D353366B-0090-45AA-8DC7-EDB1C505C7F8}" type="datetimeFigureOut">
               <a:rPr lang="zh-CN" altLang="en-US" smtClean="0"/>
-              <a:t>2024/9/2</a:t>
+              <a:t>2024/9/3</a:t>
             </a:fld>
             <a:endParaRPr lang="zh-CN" altLang="en-US"/>
           </a:p>
@@ -1951,7 +1956,7 @@
           <a:p>
             <a:fld id="{D353366B-0090-45AA-8DC7-EDB1C505C7F8}" type="datetimeFigureOut">
               <a:rPr lang="zh-CN" altLang="en-US" smtClean="0"/>
-              <a:t>2024/9/2</a:t>
+              <a:t>2024/9/3</a:t>
             </a:fld>
             <a:endParaRPr lang="zh-CN" altLang="en-US"/>
           </a:p>
@@ -2064,7 +2069,7 @@
           <a:p>
             <a:fld id="{D353366B-0090-45AA-8DC7-EDB1C505C7F8}" type="datetimeFigureOut">
               <a:rPr lang="zh-CN" altLang="en-US" smtClean="0"/>
-              <a:t>2024/9/2</a:t>
+              <a:t>2024/9/3</a:t>
             </a:fld>
             <a:endParaRPr lang="zh-CN" altLang="en-US"/>
           </a:p>
@@ -2375,7 +2380,7 @@
           <a:p>
             <a:fld id="{D353366B-0090-45AA-8DC7-EDB1C505C7F8}" type="datetimeFigureOut">
               <a:rPr lang="zh-CN" altLang="en-US" smtClean="0"/>
-              <a:t>2024/9/2</a:t>
+              <a:t>2024/9/3</a:t>
             </a:fld>
             <a:endParaRPr lang="zh-CN" altLang="en-US"/>
           </a:p>
@@ -2663,7 +2668,7 @@
           <a:p>
             <a:fld id="{D353366B-0090-45AA-8DC7-EDB1C505C7F8}" type="datetimeFigureOut">
               <a:rPr lang="zh-CN" altLang="en-US" smtClean="0"/>
-              <a:t>2024/9/2</a:t>
+              <a:t>2024/9/3</a:t>
             </a:fld>
             <a:endParaRPr lang="zh-CN" altLang="en-US"/>
           </a:p>
@@ -2904,7 +2909,7 @@
           <a:p>
             <a:fld id="{D353366B-0090-45AA-8DC7-EDB1C505C7F8}" type="datetimeFigureOut">
               <a:rPr lang="zh-CN" altLang="en-US" smtClean="0"/>
-              <a:t>2024/9/2</a:t>
+              <a:t>2024/9/3</a:t>
             </a:fld>
             <a:endParaRPr lang="zh-CN" altLang="en-US"/>
           </a:p>
@@ -3349,8 +3354,8 @@
         </p:blipFill>
         <p:spPr>
           <a:xfrm>
-            <a:off x="-7990" y="0"/>
-            <a:ext cx="12192000" cy="6359530"/>
+            <a:off x="0" y="-6103"/>
+            <a:ext cx="9568803" cy="4991231"/>
           </a:xfrm>
           <a:prstGeom prst="rect">
             <a:avLst/>
@@ -3359,10 +3364,10 @@
       </p:pic>
       <p:sp>
         <p:nvSpPr>
-          <p:cNvPr id="9" name="矩形: 圆角 8">
-            <a:extLst>
-              <a:ext uri="{FF2B5EF4-FFF2-40B4-BE49-F238E27FC236}">
-                <a16:creationId xmlns:a16="http://schemas.microsoft.com/office/drawing/2014/main" id="{F5B89FB7-97F5-20C6-B9D5-5D86788D41A2}"/>
+          <p:cNvPr id="5" name="矩形 4">
+            <a:extLst>
+              <a:ext uri="{FF2B5EF4-FFF2-40B4-BE49-F238E27FC236}">
+                <a16:creationId xmlns:a16="http://schemas.microsoft.com/office/drawing/2014/main" id="{D705CF16-4238-D082-1B19-504168F48A7C}"/>
               </a:ext>
             </a:extLst>
           </p:cNvPr>
@@ -3371,7 +3376,59 @@
         </p:nvSpPr>
         <p:spPr>
           <a:xfrm>
-            <a:off x="7351372" y="2458003"/>
+            <a:off x="5747986" y="-13139"/>
+            <a:ext cx="3820817" cy="4998267"/>
+          </a:xfrm>
+          <a:prstGeom prst="rect">
+            <a:avLst/>
+          </a:prstGeom>
+          <a:solidFill>
+            <a:srgbClr val="042046"/>
+          </a:solidFill>
+          <a:ln>
+            <a:noFill/>
+          </a:ln>
+        </p:spPr>
+        <p:style>
+          <a:lnRef idx="2">
+            <a:schemeClr val="accent1">
+              <a:shade val="15000"/>
+            </a:schemeClr>
+          </a:lnRef>
+          <a:fillRef idx="1">
+            <a:schemeClr val="accent1"/>
+          </a:fillRef>
+          <a:effectRef idx="0">
+            <a:schemeClr val="accent1"/>
+          </a:effectRef>
+          <a:fontRef idx="minor">
+            <a:schemeClr val="lt1"/>
+          </a:fontRef>
+        </p:style>
+        <p:txBody>
+          <a:bodyPr rtlCol="0" anchor="ctr"/>
+          <a:lstStyle/>
+          <a:p>
+            <a:pPr algn="ctr"/>
+            <a:endParaRPr lang="zh-CN" altLang="en-US"/>
+          </a:p>
+        </p:txBody>
+      </p:sp>
+      <p:sp>
+        <p:nvSpPr>
+          <p:cNvPr id="9" name="矩形: 圆角 8">
+            <a:extLst>
+              <a:ext uri="{FF2B5EF4-FFF2-40B4-BE49-F238E27FC236}">
+                <a16:creationId xmlns:a16="http://schemas.microsoft.com/office/drawing/2014/main" id="{F5B89FB7-97F5-20C6-B9D5-5D86788D41A2}"/>
+              </a:ext>
+            </a:extLst>
+          </p:cNvPr>
+          <p:cNvSpPr/>
+          <p:nvPr/>
+        </p:nvSpPr>
+        <p:spPr>
+          <a:xfrm>
+            <a:off x="5836608" y="1902191"/>
             <a:ext cx="3029527" cy="440870"/>
           </a:xfrm>
           <a:prstGeom prst="roundRect">
@@ -3423,7 +3480,7 @@
         </p:nvSpPr>
         <p:spPr>
           <a:xfrm>
-            <a:off x="7351371" y="3153230"/>
+            <a:off x="5836607" y="2597418"/>
             <a:ext cx="3029527" cy="440870"/>
           </a:xfrm>
           <a:prstGeom prst="roundRect">
@@ -3489,7 +3546,7 @@
         </p:blipFill>
         <p:spPr>
           <a:xfrm>
-            <a:off x="7360897" y="2489513"/>
+            <a:off x="5846133" y="1933701"/>
             <a:ext cx="377849" cy="377849"/>
           </a:xfrm>
           <a:prstGeom prst="rect">
@@ -3525,7 +3582,7 @@
         </p:blipFill>
         <p:spPr>
           <a:xfrm>
-            <a:off x="7360897" y="3184740"/>
+            <a:off x="5846133" y="2628928"/>
             <a:ext cx="377849" cy="377849"/>
           </a:xfrm>
           <a:prstGeom prst="rect">
@@ -3547,7 +3604,7 @@
         </p:nvSpPr>
         <p:spPr>
           <a:xfrm>
-            <a:off x="7360897" y="4270881"/>
+            <a:off x="5846133" y="3715069"/>
             <a:ext cx="3029527" cy="440870"/>
           </a:xfrm>
           <a:prstGeom prst="roundRect">
@@ -3581,10 +3638,7 @@
           <a:lstStyle/>
           <a:p>
             <a:pPr algn="ctr"/>
-            <a:r>
-              <a:rPr lang="zh-CN" altLang="en-US" dirty="0"/>
-              <a:t>登录</a:t>
-            </a:r>
+            <a:endParaRPr lang="zh-CN" altLang="en-US" dirty="0"/>
           </a:p>
         </p:txBody>
       </p:sp>
@@ -3602,7 +3656,7 @@
         </p:nvSpPr>
         <p:spPr>
           <a:xfrm>
-            <a:off x="7360896" y="3824490"/>
+            <a:off x="5846132" y="3268678"/>
             <a:ext cx="216000" cy="216000"/>
           </a:xfrm>
           <a:prstGeom prst="roundRect">
@@ -3668,7 +3722,7 @@
         </p:blipFill>
         <p:spPr>
           <a:xfrm>
-            <a:off x="7360896" y="3822518"/>
+            <a:off x="5846132" y="3266706"/>
             <a:ext cx="216000" cy="216000"/>
           </a:xfrm>
           <a:prstGeom prst="rect">
@@ -3690,7 +3744,7 @@
         </p:nvSpPr>
         <p:spPr>
           <a:xfrm>
-            <a:off x="7597772" y="3793613"/>
+            <a:off x="6083008" y="3237801"/>
             <a:ext cx="961534" cy="276999"/>
           </a:xfrm>
           <a:prstGeom prst="rect">
@@ -3719,10 +3773,10 @@
       </p:sp>
       <p:sp>
         <p:nvSpPr>
-          <p:cNvPr id="35" name="矩形: 圆角 34">
-            <a:extLst>
-              <a:ext uri="{FF2B5EF4-FFF2-40B4-BE49-F238E27FC236}">
-                <a16:creationId xmlns:a16="http://schemas.microsoft.com/office/drawing/2014/main" id="{2185DA3B-BE89-66DF-73AD-58B0730DA56A}"/>
+          <p:cNvPr id="41" name="矩形: 圆角 40">
+            <a:extLst>
+              <a:ext uri="{FF2B5EF4-FFF2-40B4-BE49-F238E27FC236}">
+                <a16:creationId xmlns:a16="http://schemas.microsoft.com/office/drawing/2014/main" id="{D00FC5AC-24F3-66C4-C44D-104555720765}"/>
               </a:ext>
             </a:extLst>
           </p:cNvPr>
@@ -3731,136 +3785,7 @@
         </p:nvSpPr>
         <p:spPr>
           <a:xfrm>
-            <a:off x="9061766" y="3820780"/>
-            <a:ext cx="216000" cy="216000"/>
-          </a:xfrm>
-          <a:prstGeom prst="roundRect">
-            <a:avLst/>
-          </a:prstGeom>
-          <a:solidFill>
-            <a:schemeClr val="bg1"/>
-          </a:solidFill>
-          <a:ln>
-            <a:noFill/>
-          </a:ln>
-        </p:spPr>
-        <p:style>
-          <a:lnRef idx="2">
-            <a:schemeClr val="accent1">
-              <a:shade val="15000"/>
-            </a:schemeClr>
-          </a:lnRef>
-          <a:fillRef idx="1">
-            <a:schemeClr val="accent1"/>
-          </a:fillRef>
-          <a:effectRef idx="0">
-            <a:schemeClr val="accent1"/>
-          </a:effectRef>
-          <a:fontRef idx="minor">
-            <a:schemeClr val="lt1"/>
-          </a:fontRef>
-        </p:style>
-        <p:txBody>
-          <a:bodyPr rtlCol="0" anchor="ctr"/>
-          <a:lstStyle/>
-          <a:p>
-            <a:pPr algn="ctr"/>
-            <a:endParaRPr lang="zh-CN" altLang="en-US"/>
-          </a:p>
-        </p:txBody>
-      </p:sp>
-      <p:sp>
-        <p:nvSpPr>
-          <p:cNvPr id="36" name="文本框 35">
-            <a:extLst>
-              <a:ext uri="{FF2B5EF4-FFF2-40B4-BE49-F238E27FC236}">
-                <a16:creationId xmlns:a16="http://schemas.microsoft.com/office/drawing/2014/main" id="{FF5843F1-196E-431E-7D2C-AD9A19491C1A}"/>
-              </a:ext>
-            </a:extLst>
-          </p:cNvPr>
-          <p:cNvSpPr txBox="1"/>
-          <p:nvPr/>
-        </p:nvSpPr>
-        <p:spPr>
-          <a:xfrm>
-            <a:off x="9301890" y="3790280"/>
-            <a:ext cx="961534" cy="276999"/>
-          </a:xfrm>
-          <a:prstGeom prst="rect">
-            <a:avLst/>
-          </a:prstGeom>
-          <a:noFill/>
-        </p:spPr>
-        <p:txBody>
-          <a:bodyPr wrap="square" rtlCol="0">
-            <a:spAutoFit/>
-          </a:bodyPr>
-          <a:lstStyle/>
-          <a:p>
-            <a:r>
-              <a:rPr lang="zh-CN" altLang="en-US" sz="1200" dirty="0">
-                <a:solidFill>
-                  <a:schemeClr val="bg1"/>
-                </a:solidFill>
-                <a:latin typeface="等线" panose="02010600030101010101" pitchFamily="2" charset="-122"/>
-                <a:ea typeface="等线" panose="02010600030101010101" pitchFamily="2" charset="-122"/>
-              </a:rPr>
-              <a:t>记住密码</a:t>
-            </a:r>
-          </a:p>
-        </p:txBody>
-      </p:sp>
-      <p:pic>
-        <p:nvPicPr>
-          <p:cNvPr id="37" name="图片 36">
-            <a:extLst>
-              <a:ext uri="{FF2B5EF4-FFF2-40B4-BE49-F238E27FC236}">
-                <a16:creationId xmlns:a16="http://schemas.microsoft.com/office/drawing/2014/main" id="{1FDDC5BF-0FC2-08C5-3962-50C89BFF1791}"/>
-              </a:ext>
-            </a:extLst>
-          </p:cNvPr>
-          <p:cNvPicPr>
-            <a:picLocks noChangeAspect="1"/>
-          </p:cNvPicPr>
-          <p:nvPr/>
-        </p:nvPicPr>
-        <p:blipFill>
-          <a:blip r:embed="rId5">
-            <a:extLst>
-              <a:ext uri="{28A0092B-C50C-407E-A947-70E740481C1C}">
-                <a14:useLocalDpi xmlns:a14="http://schemas.microsoft.com/office/drawing/2010/main" val="0"/>
-              </a:ext>
-            </a:extLst>
-          </a:blip>
-          <a:stretch>
-            <a:fillRect/>
-          </a:stretch>
-        </p:blipFill>
-        <p:spPr>
-          <a:xfrm>
-            <a:off x="9058597" y="3820779"/>
-            <a:ext cx="216000" cy="216000"/>
-          </a:xfrm>
-          <a:prstGeom prst="rect">
-            <a:avLst/>
-          </a:prstGeom>
-        </p:spPr>
-      </p:pic>
-      <p:sp>
-        <p:nvSpPr>
-          <p:cNvPr id="41" name="矩形: 圆角 40">
-            <a:extLst>
-              <a:ext uri="{FF2B5EF4-FFF2-40B4-BE49-F238E27FC236}">
-                <a16:creationId xmlns:a16="http://schemas.microsoft.com/office/drawing/2014/main" id="{D00FC5AC-24F3-66C4-C44D-104555720765}"/>
-              </a:ext>
-            </a:extLst>
-          </p:cNvPr>
-          <p:cNvSpPr/>
-          <p:nvPr/>
-        </p:nvSpPr>
-        <p:spPr>
-          <a:xfrm>
-            <a:off x="7787126" y="5094770"/>
+            <a:off x="6563775" y="5623363"/>
             <a:ext cx="3029527" cy="440870"/>
           </a:xfrm>
           <a:prstGeom prst="roundRect">
@@ -3896,13 +3821,101 @@
           <a:lstStyle/>
           <a:p>
             <a:pPr algn="ctr"/>
-            <a:r>
-              <a:rPr lang="zh-CN" altLang="en-US" dirty="0"/>
-              <a:t>登录</a:t>
-            </a:r>
-          </a:p>
-        </p:txBody>
-      </p:sp>
+            <a:endParaRPr lang="zh-CN" altLang="en-US" dirty="0"/>
+          </a:p>
+        </p:txBody>
+      </p:sp>
+      <p:sp>
+        <p:nvSpPr>
+          <p:cNvPr id="6" name="矩形: 圆角 5">
+            <a:extLst>
+              <a:ext uri="{FF2B5EF4-FFF2-40B4-BE49-F238E27FC236}">
+                <a16:creationId xmlns:a16="http://schemas.microsoft.com/office/drawing/2014/main" id="{6D9B4B55-6482-D187-DEBE-562D3953CBDE}"/>
+              </a:ext>
+            </a:extLst>
+          </p:cNvPr>
+          <p:cNvSpPr/>
+          <p:nvPr/>
+        </p:nvSpPr>
+        <p:spPr>
+          <a:xfrm>
+            <a:off x="6296166" y="1189926"/>
+            <a:ext cx="306000" cy="306000"/>
+          </a:xfrm>
+          <a:prstGeom prst="roundRect">
+            <a:avLst/>
+          </a:prstGeom>
+          <a:solidFill>
+            <a:schemeClr val="bg2">
+              <a:lumMod val="90000"/>
+              <a:alpha val="30000"/>
+            </a:schemeClr>
+          </a:solidFill>
+          <a:ln>
+            <a:noFill/>
+          </a:ln>
+        </p:spPr>
+        <p:style>
+          <a:lnRef idx="2">
+            <a:schemeClr val="accent1">
+              <a:shade val="15000"/>
+            </a:schemeClr>
+          </a:lnRef>
+          <a:fillRef idx="1">
+            <a:schemeClr val="accent1"/>
+          </a:fillRef>
+          <a:effectRef idx="0">
+            <a:schemeClr val="accent1"/>
+          </a:effectRef>
+          <a:fontRef idx="minor">
+            <a:schemeClr val="lt1"/>
+          </a:fontRef>
+        </p:style>
+        <p:txBody>
+          <a:bodyPr rtlCol="0" anchor="ctr"/>
+          <a:lstStyle/>
+          <a:p>
+            <a:pPr algn="ctr"/>
+            <a:endParaRPr lang="zh-CN" altLang="en-US" dirty="0"/>
+          </a:p>
+        </p:txBody>
+      </p:sp>
+      <p:pic>
+        <p:nvPicPr>
+          <p:cNvPr id="11" name="图片 10">
+            <a:extLst>
+              <a:ext uri="{FF2B5EF4-FFF2-40B4-BE49-F238E27FC236}">
+                <a16:creationId xmlns:a16="http://schemas.microsoft.com/office/drawing/2014/main" id="{73F7CFE4-3482-D8DA-E471-6C4DDCCF55BB}"/>
+              </a:ext>
+            </a:extLst>
+          </p:cNvPr>
+          <p:cNvPicPr>
+            <a:picLocks noChangeAspect="1"/>
+          </p:cNvPicPr>
+          <p:nvPr/>
+        </p:nvPicPr>
+        <p:blipFill>
+          <a:blip r:embed="rId6">
+            <a:extLst>
+              <a:ext uri="{28A0092B-C50C-407E-A947-70E740481C1C}">
+                <a14:useLocalDpi xmlns:a14="http://schemas.microsoft.com/office/drawing/2010/main" val="0"/>
+              </a:ext>
+            </a:extLst>
+          </a:blip>
+          <a:stretch>
+            <a:fillRect/>
+          </a:stretch>
+        </p:blipFill>
+        <p:spPr>
+          <a:xfrm>
+            <a:off x="6296745" y="1190505"/>
+            <a:ext cx="304843" cy="304843"/>
+          </a:xfrm>
+          <a:prstGeom prst="rect">
+            <a:avLst/>
+          </a:prstGeom>
+        </p:spPr>
+      </p:pic>
     </p:spTree>
     <p:extLst>
       <p:ext uri="{BB962C8B-B14F-4D97-AF65-F5344CB8AC3E}">

--- a/界面设计.pptx
+++ b/界面设计.pptx
@@ -6,6 +6,8 @@
   </p:sldMasterIdLst>
   <p:sldIdLst>
     <p:sldId id="256" r:id="rId2"/>
+    <p:sldId id="257" r:id="rId3"/>
+    <p:sldId id="258" r:id="rId4"/>
   </p:sldIdLst>
   <p:sldSz cx="12192000" cy="6858000"/>
   <p:notesSz cx="6858000" cy="9144000"/>
@@ -259,7 +261,7 @@
           <a:p>
             <a:fld id="{D353366B-0090-45AA-8DC7-EDB1C505C7F8}" type="datetimeFigureOut">
               <a:rPr lang="zh-CN" altLang="en-US" smtClean="0"/>
-              <a:t>2024/9/3</a:t>
+              <a:t>2024/9/5</a:t>
             </a:fld>
             <a:endParaRPr lang="zh-CN" altLang="en-US"/>
           </a:p>
@@ -457,7 +459,7 @@
           <a:p>
             <a:fld id="{D353366B-0090-45AA-8DC7-EDB1C505C7F8}" type="datetimeFigureOut">
               <a:rPr lang="zh-CN" altLang="en-US" smtClean="0"/>
-              <a:t>2024/9/3</a:t>
+              <a:t>2024/9/5</a:t>
             </a:fld>
             <a:endParaRPr lang="zh-CN" altLang="en-US"/>
           </a:p>
@@ -665,7 +667,7 @@
           <a:p>
             <a:fld id="{D353366B-0090-45AA-8DC7-EDB1C505C7F8}" type="datetimeFigureOut">
               <a:rPr lang="zh-CN" altLang="en-US" smtClean="0"/>
-              <a:t>2024/9/3</a:t>
+              <a:t>2024/9/5</a:t>
             </a:fld>
             <a:endParaRPr lang="zh-CN" altLang="en-US"/>
           </a:p>
@@ -863,7 +865,7 @@
           <a:p>
             <a:fld id="{D353366B-0090-45AA-8DC7-EDB1C505C7F8}" type="datetimeFigureOut">
               <a:rPr lang="zh-CN" altLang="en-US" smtClean="0"/>
-              <a:t>2024/9/3</a:t>
+              <a:t>2024/9/5</a:t>
             </a:fld>
             <a:endParaRPr lang="zh-CN" altLang="en-US"/>
           </a:p>
@@ -1138,7 +1140,7 @@
           <a:p>
             <a:fld id="{D353366B-0090-45AA-8DC7-EDB1C505C7F8}" type="datetimeFigureOut">
               <a:rPr lang="zh-CN" altLang="en-US" smtClean="0"/>
-              <a:t>2024/9/3</a:t>
+              <a:t>2024/9/5</a:t>
             </a:fld>
             <a:endParaRPr lang="zh-CN" altLang="en-US"/>
           </a:p>
@@ -1403,7 +1405,7 @@
           <a:p>
             <a:fld id="{D353366B-0090-45AA-8DC7-EDB1C505C7F8}" type="datetimeFigureOut">
               <a:rPr lang="zh-CN" altLang="en-US" smtClean="0"/>
-              <a:t>2024/9/3</a:t>
+              <a:t>2024/9/5</a:t>
             </a:fld>
             <a:endParaRPr lang="zh-CN" altLang="en-US"/>
           </a:p>
@@ -1815,7 +1817,7 @@
           <a:p>
             <a:fld id="{D353366B-0090-45AA-8DC7-EDB1C505C7F8}" type="datetimeFigureOut">
               <a:rPr lang="zh-CN" altLang="en-US" smtClean="0"/>
-              <a:t>2024/9/3</a:t>
+              <a:t>2024/9/5</a:t>
             </a:fld>
             <a:endParaRPr lang="zh-CN" altLang="en-US"/>
           </a:p>
@@ -1956,7 +1958,7 @@
           <a:p>
             <a:fld id="{D353366B-0090-45AA-8DC7-EDB1C505C7F8}" type="datetimeFigureOut">
               <a:rPr lang="zh-CN" altLang="en-US" smtClean="0"/>
-              <a:t>2024/9/3</a:t>
+              <a:t>2024/9/5</a:t>
             </a:fld>
             <a:endParaRPr lang="zh-CN" altLang="en-US"/>
           </a:p>
@@ -2069,7 +2071,7 @@
           <a:p>
             <a:fld id="{D353366B-0090-45AA-8DC7-EDB1C505C7F8}" type="datetimeFigureOut">
               <a:rPr lang="zh-CN" altLang="en-US" smtClean="0"/>
-              <a:t>2024/9/3</a:t>
+              <a:t>2024/9/5</a:t>
             </a:fld>
             <a:endParaRPr lang="zh-CN" altLang="en-US"/>
           </a:p>
@@ -2380,7 +2382,7 @@
           <a:p>
             <a:fld id="{D353366B-0090-45AA-8DC7-EDB1C505C7F8}" type="datetimeFigureOut">
               <a:rPr lang="zh-CN" altLang="en-US" smtClean="0"/>
-              <a:t>2024/9/3</a:t>
+              <a:t>2024/9/5</a:t>
             </a:fld>
             <a:endParaRPr lang="zh-CN" altLang="en-US"/>
           </a:p>
@@ -2668,7 +2670,7 @@
           <a:p>
             <a:fld id="{D353366B-0090-45AA-8DC7-EDB1C505C7F8}" type="datetimeFigureOut">
               <a:rPr lang="zh-CN" altLang="en-US" smtClean="0"/>
-              <a:t>2024/9/3</a:t>
+              <a:t>2024/9/5</a:t>
             </a:fld>
             <a:endParaRPr lang="zh-CN" altLang="en-US"/>
           </a:p>
@@ -2909,7 +2911,7 @@
           <a:p>
             <a:fld id="{D353366B-0090-45AA-8DC7-EDB1C505C7F8}" type="datetimeFigureOut">
               <a:rPr lang="zh-CN" altLang="en-US" smtClean="0"/>
-              <a:t>2024/9/3</a:t>
+              <a:t>2024/9/5</a:t>
             </a:fld>
             <a:endParaRPr lang="zh-CN" altLang="en-US"/>
           </a:p>
@@ -3461,8 +3463,27 @@
           <a:bodyPr rtlCol="0" anchor="ctr"/>
           <a:lstStyle/>
           <a:p>
-            <a:pPr algn="ctr"/>
-            <a:endParaRPr lang="zh-CN" altLang="en-US" dirty="0"/>
+            <a:r>
+              <a:rPr lang="zh-CN" altLang="en-US" dirty="0"/>
+              <a:t>    </a:t>
+            </a:r>
+            <a:r>
+              <a:rPr lang="zh-CN" altLang="en-US" sz="1400" dirty="0">
+                <a:solidFill>
+                  <a:schemeClr val="bg2">
+                    <a:lumMod val="75000"/>
+                  </a:schemeClr>
+                </a:solidFill>
+              </a:rPr>
+              <a:t>请输入用户名</a:t>
+            </a:r>
+            <a:endParaRPr lang="zh-CN" altLang="en-US" dirty="0">
+              <a:solidFill>
+                <a:schemeClr val="bg2">
+                  <a:lumMod val="75000"/>
+                </a:schemeClr>
+              </a:solidFill>
+            </a:endParaRPr>
           </a:p>
         </p:txBody>
       </p:sp>
@@ -3513,8 +3534,20 @@
           <a:bodyPr rtlCol="0" anchor="ctr"/>
           <a:lstStyle/>
           <a:p>
-            <a:pPr algn="ctr"/>
-            <a:endParaRPr lang="zh-CN" altLang="en-US" dirty="0"/>
+            <a:r>
+              <a:rPr lang="zh-CN" altLang="en-US" sz="1400" dirty="0"/>
+              <a:t>     </a:t>
+            </a:r>
+            <a:r>
+              <a:rPr lang="zh-CN" altLang="en-US" sz="1400" dirty="0">
+                <a:solidFill>
+                  <a:schemeClr val="bg2">
+                    <a:lumMod val="75000"/>
+                  </a:schemeClr>
+                </a:solidFill>
+              </a:rPr>
+              <a:t>请输入密码</a:t>
+            </a:r>
           </a:p>
         </p:txBody>
       </p:sp>
@@ -3785,7 +3818,7 @@
         </p:nvSpPr>
         <p:spPr>
           <a:xfrm>
-            <a:off x="6563775" y="5623363"/>
+            <a:off x="5836606" y="5307512"/>
             <a:ext cx="3029527" cy="440870"/>
           </a:xfrm>
           <a:prstGeom prst="roundRect">
@@ -3839,7 +3872,7 @@
         </p:nvSpPr>
         <p:spPr>
           <a:xfrm>
-            <a:off x="6296166" y="1189926"/>
+            <a:off x="8457475" y="1978848"/>
             <a:ext cx="306000" cy="306000"/>
           </a:xfrm>
           <a:prstGeom prst="roundRect">
@@ -3908,7 +3941,7 @@
         </p:blipFill>
         <p:spPr>
           <a:xfrm>
-            <a:off x="6296745" y="1190505"/>
+            <a:off x="8458054" y="1979427"/>
             <a:ext cx="304843" cy="304843"/>
           </a:xfrm>
           <a:prstGeom prst="rect">
@@ -3920,6 +3953,602 @@
     <p:extLst>
       <p:ext uri="{BB962C8B-B14F-4D97-AF65-F5344CB8AC3E}">
         <p14:creationId xmlns:p14="http://schemas.microsoft.com/office/powerpoint/2010/main" val="2279469495"/>
+      </p:ext>
+    </p:extLst>
+  </p:cSld>
+  <p:clrMapOvr>
+    <a:masterClrMapping/>
+  </p:clrMapOvr>
+</p:sld>
+</file>
+
+<file path=ppt/slides/slide2.xml><?xml version="1.0" encoding="utf-8"?>
+<p:sld xmlns:a="http://schemas.openxmlformats.org/drawingml/2006/main" xmlns:r="http://schemas.openxmlformats.org/officeDocument/2006/relationships" xmlns:p="http://schemas.openxmlformats.org/presentationml/2006/main">
+  <p:cSld>
+    <p:bg>
+      <p:bgPr>
+        <a:solidFill>
+          <a:srgbClr val="FFC000"/>
+        </a:solidFill>
+        <a:effectLst/>
+      </p:bgPr>
+    </p:bg>
+    <p:spTree>
+      <p:nvGrpSpPr>
+        <p:cNvPr id="1" name=""/>
+        <p:cNvGrpSpPr/>
+        <p:nvPr/>
+      </p:nvGrpSpPr>
+      <p:grpSpPr>
+        <a:xfrm>
+          <a:off x="0" y="0"/>
+          <a:ext cx="0" cy="0"/>
+          <a:chOff x="0" y="0"/>
+          <a:chExt cx="0" cy="0"/>
+        </a:xfrm>
+      </p:grpSpPr>
+      <p:sp>
+        <p:nvSpPr>
+          <p:cNvPr id="25" name="矩形: 圆角 24">
+            <a:extLst>
+              <a:ext uri="{FF2B5EF4-FFF2-40B4-BE49-F238E27FC236}">
+                <a16:creationId xmlns:a16="http://schemas.microsoft.com/office/drawing/2014/main" id="{E0B613D1-960E-7AEB-D50F-EB9FC8A3CA8B}"/>
+              </a:ext>
+            </a:extLst>
+          </p:cNvPr>
+          <p:cNvSpPr/>
+          <p:nvPr/>
+        </p:nvSpPr>
+        <p:spPr>
+          <a:xfrm>
+            <a:off x="676676" y="406261"/>
+            <a:ext cx="2520000" cy="2520000"/>
+          </a:xfrm>
+          <a:prstGeom prst="roundRect">
+            <a:avLst/>
+          </a:prstGeom>
+          <a:noFill/>
+          <a:ln>
+            <a:noFill/>
+          </a:ln>
+        </p:spPr>
+        <p:style>
+          <a:lnRef idx="2">
+            <a:schemeClr val="accent1">
+              <a:shade val="15000"/>
+            </a:schemeClr>
+          </a:lnRef>
+          <a:fillRef idx="1">
+            <a:schemeClr val="accent1"/>
+          </a:fillRef>
+          <a:effectRef idx="0">
+            <a:schemeClr val="accent1"/>
+          </a:effectRef>
+          <a:fontRef idx="minor">
+            <a:schemeClr val="lt1"/>
+          </a:fontRef>
+        </p:style>
+        <p:txBody>
+          <a:bodyPr rtlCol="0" anchor="ctr"/>
+          <a:lstStyle/>
+          <a:p>
+            <a:pPr algn="ctr"/>
+            <a:endParaRPr lang="zh-CN" altLang="en-US" dirty="0"/>
+          </a:p>
+        </p:txBody>
+      </p:sp>
+      <p:sp>
+        <p:nvSpPr>
+          <p:cNvPr id="26" name="矩形: 圆角 25">
+            <a:extLst>
+              <a:ext uri="{FF2B5EF4-FFF2-40B4-BE49-F238E27FC236}">
+                <a16:creationId xmlns:a16="http://schemas.microsoft.com/office/drawing/2014/main" id="{145743AD-9EF3-0874-672A-A6ECE16D5974}"/>
+              </a:ext>
+            </a:extLst>
+          </p:cNvPr>
+          <p:cNvSpPr/>
+          <p:nvPr/>
+        </p:nvSpPr>
+        <p:spPr>
+          <a:xfrm>
+            <a:off x="1628876" y="4067666"/>
+            <a:ext cx="2520000" cy="2520000"/>
+          </a:xfrm>
+          <a:prstGeom prst="roundRect">
+            <a:avLst/>
+          </a:prstGeom>
+          <a:solidFill>
+            <a:schemeClr val="accent5">
+              <a:lumMod val="75000"/>
+            </a:schemeClr>
+          </a:solidFill>
+          <a:ln>
+            <a:noFill/>
+          </a:ln>
+        </p:spPr>
+        <p:style>
+          <a:lnRef idx="2">
+            <a:schemeClr val="accent1">
+              <a:shade val="15000"/>
+            </a:schemeClr>
+          </a:lnRef>
+          <a:fillRef idx="1">
+            <a:schemeClr val="accent1"/>
+          </a:fillRef>
+          <a:effectRef idx="0">
+            <a:schemeClr val="accent1"/>
+          </a:effectRef>
+          <a:fontRef idx="minor">
+            <a:schemeClr val="lt1"/>
+          </a:fontRef>
+        </p:style>
+        <p:txBody>
+          <a:bodyPr rtlCol="0" anchor="ctr"/>
+          <a:lstStyle/>
+          <a:p>
+            <a:pPr algn="ctr"/>
+            <a:endParaRPr lang="zh-CN" altLang="en-US" dirty="0"/>
+          </a:p>
+        </p:txBody>
+      </p:sp>
+      <p:pic>
+        <p:nvPicPr>
+          <p:cNvPr id="24" name="图片 23" descr="图标&#10;&#10;描述已自动生成">
+            <a:extLst>
+              <a:ext uri="{FF2B5EF4-FFF2-40B4-BE49-F238E27FC236}">
+                <a16:creationId xmlns:a16="http://schemas.microsoft.com/office/drawing/2014/main" id="{9A48EFE4-134D-D432-9240-5A708870B308}"/>
+              </a:ext>
+            </a:extLst>
+          </p:cNvPr>
+          <p:cNvPicPr>
+            <a:picLocks noChangeAspect="1"/>
+          </p:cNvPicPr>
+          <p:nvPr/>
+        </p:nvPicPr>
+        <p:blipFill>
+          <a:blip r:embed="rId2">
+            <a:extLst>
+              <a:ext uri="{28A0092B-C50C-407E-A947-70E740481C1C}">
+                <a14:useLocalDpi xmlns:a14="http://schemas.microsoft.com/office/drawing/2010/main" val="0"/>
+              </a:ext>
+            </a:extLst>
+          </a:blip>
+          <a:stretch>
+            <a:fillRect/>
+          </a:stretch>
+        </p:blipFill>
+        <p:spPr>
+          <a:xfrm>
+            <a:off x="1936676" y="4375466"/>
+            <a:ext cx="1904400" cy="1904400"/>
+          </a:xfrm>
+          <a:prstGeom prst="rect">
+            <a:avLst/>
+          </a:prstGeom>
+        </p:spPr>
+      </p:pic>
+      <p:pic>
+        <p:nvPicPr>
+          <p:cNvPr id="20" name="图片 19" descr="图标&#10;&#10;描述已自动生成">
+            <a:extLst>
+              <a:ext uri="{FF2B5EF4-FFF2-40B4-BE49-F238E27FC236}">
+                <a16:creationId xmlns:a16="http://schemas.microsoft.com/office/drawing/2014/main" id="{0F55D073-5DCD-5501-8218-1E0816C81716}"/>
+              </a:ext>
+            </a:extLst>
+          </p:cNvPr>
+          <p:cNvPicPr>
+            <a:picLocks noChangeAspect="1"/>
+          </p:cNvPicPr>
+          <p:nvPr/>
+        </p:nvPicPr>
+        <p:blipFill>
+          <a:blip r:embed="rId2">
+            <a:extLst>
+              <a:ext uri="{28A0092B-C50C-407E-A947-70E740481C1C}">
+                <a14:useLocalDpi xmlns:a14="http://schemas.microsoft.com/office/drawing/2010/main" val="0"/>
+              </a:ext>
+            </a:extLst>
+          </a:blip>
+          <a:stretch>
+            <a:fillRect/>
+          </a:stretch>
+        </p:blipFill>
+        <p:spPr>
+          <a:xfrm>
+            <a:off x="984476" y="714061"/>
+            <a:ext cx="1904400" cy="1904400"/>
+          </a:xfrm>
+          <a:prstGeom prst="rect">
+            <a:avLst/>
+          </a:prstGeom>
+        </p:spPr>
+      </p:pic>
+      <p:sp>
+        <p:nvSpPr>
+          <p:cNvPr id="28" name="矩形: 圆角 27">
+            <a:extLst>
+              <a:ext uri="{FF2B5EF4-FFF2-40B4-BE49-F238E27FC236}">
+                <a16:creationId xmlns:a16="http://schemas.microsoft.com/office/drawing/2014/main" id="{4034C9B8-DEDC-1AB0-2299-7632C70FF5F0}"/>
+              </a:ext>
+            </a:extLst>
+          </p:cNvPr>
+          <p:cNvSpPr/>
+          <p:nvPr/>
+        </p:nvSpPr>
+        <p:spPr>
+          <a:xfrm>
+            <a:off x="6358131" y="1502869"/>
+            <a:ext cx="2520000" cy="2520000"/>
+          </a:xfrm>
+          <a:prstGeom prst="roundRect">
+            <a:avLst/>
+          </a:prstGeom>
+          <a:noFill/>
+          <a:ln>
+            <a:noFill/>
+          </a:ln>
+        </p:spPr>
+        <p:style>
+          <a:lnRef idx="2">
+            <a:schemeClr val="accent1">
+              <a:shade val="15000"/>
+            </a:schemeClr>
+          </a:lnRef>
+          <a:fillRef idx="1">
+            <a:schemeClr val="accent1"/>
+          </a:fillRef>
+          <a:effectRef idx="0">
+            <a:schemeClr val="accent1"/>
+          </a:effectRef>
+          <a:fontRef idx="minor">
+            <a:schemeClr val="lt1"/>
+          </a:fontRef>
+        </p:style>
+        <p:txBody>
+          <a:bodyPr rtlCol="0" anchor="ctr"/>
+          <a:lstStyle/>
+          <a:p>
+            <a:pPr algn="ctr"/>
+            <a:endParaRPr lang="zh-CN" altLang="en-US" dirty="0"/>
+          </a:p>
+        </p:txBody>
+      </p:sp>
+      <p:pic>
+        <p:nvPicPr>
+          <p:cNvPr id="22" name="图片 21" descr="图标&#10;&#10;中度可信度描述已自动生成">
+            <a:extLst>
+              <a:ext uri="{FF2B5EF4-FFF2-40B4-BE49-F238E27FC236}">
+                <a16:creationId xmlns:a16="http://schemas.microsoft.com/office/drawing/2014/main" id="{376759ED-EE38-040A-95B6-760D58B15996}"/>
+              </a:ext>
+            </a:extLst>
+          </p:cNvPr>
+          <p:cNvPicPr>
+            <a:picLocks noChangeAspect="1"/>
+          </p:cNvPicPr>
+          <p:nvPr/>
+        </p:nvPicPr>
+        <p:blipFill>
+          <a:blip r:embed="rId3">
+            <a:extLst>
+              <a:ext uri="{28A0092B-C50C-407E-A947-70E740481C1C}">
+                <a14:useLocalDpi xmlns:a14="http://schemas.microsoft.com/office/drawing/2010/main" val="0"/>
+              </a:ext>
+            </a:extLst>
+          </a:blip>
+          <a:stretch>
+            <a:fillRect/>
+          </a:stretch>
+        </p:blipFill>
+        <p:spPr>
+          <a:xfrm>
+            <a:off x="6665931" y="1810669"/>
+            <a:ext cx="1904400" cy="1904400"/>
+          </a:xfrm>
+          <a:prstGeom prst="rect">
+            <a:avLst/>
+          </a:prstGeom>
+        </p:spPr>
+      </p:pic>
+      <p:sp>
+        <p:nvSpPr>
+          <p:cNvPr id="29" name="矩形: 圆角 28">
+            <a:extLst>
+              <a:ext uri="{FF2B5EF4-FFF2-40B4-BE49-F238E27FC236}">
+                <a16:creationId xmlns:a16="http://schemas.microsoft.com/office/drawing/2014/main" id="{6535A636-F101-1DCF-D276-AD6179F7F3AB}"/>
+              </a:ext>
+            </a:extLst>
+          </p:cNvPr>
+          <p:cNvSpPr/>
+          <p:nvPr/>
+        </p:nvSpPr>
+        <p:spPr>
+          <a:xfrm>
+            <a:off x="8878131" y="3925558"/>
+            <a:ext cx="2520000" cy="2520000"/>
+          </a:xfrm>
+          <a:prstGeom prst="roundRect">
+            <a:avLst/>
+          </a:prstGeom>
+          <a:solidFill>
+            <a:schemeClr val="accent5">
+              <a:lumMod val="75000"/>
+            </a:schemeClr>
+          </a:solidFill>
+          <a:ln>
+            <a:noFill/>
+          </a:ln>
+        </p:spPr>
+        <p:style>
+          <a:lnRef idx="2">
+            <a:schemeClr val="accent1">
+              <a:shade val="15000"/>
+            </a:schemeClr>
+          </a:lnRef>
+          <a:fillRef idx="1">
+            <a:schemeClr val="accent1"/>
+          </a:fillRef>
+          <a:effectRef idx="0">
+            <a:schemeClr val="accent1"/>
+          </a:effectRef>
+          <a:fontRef idx="minor">
+            <a:schemeClr val="lt1"/>
+          </a:fontRef>
+        </p:style>
+        <p:txBody>
+          <a:bodyPr rtlCol="0" anchor="ctr"/>
+          <a:lstStyle/>
+          <a:p>
+            <a:pPr algn="ctr"/>
+            <a:endParaRPr lang="zh-CN" altLang="en-US" dirty="0"/>
+          </a:p>
+        </p:txBody>
+      </p:sp>
+      <p:pic>
+        <p:nvPicPr>
+          <p:cNvPr id="30" name="图片 29" descr="图标&#10;&#10;中度可信度描述已自动生成">
+            <a:extLst>
+              <a:ext uri="{FF2B5EF4-FFF2-40B4-BE49-F238E27FC236}">
+                <a16:creationId xmlns:a16="http://schemas.microsoft.com/office/drawing/2014/main" id="{A8EAD5E5-2D9E-E00B-FF6A-A51A61B2A194}"/>
+              </a:ext>
+            </a:extLst>
+          </p:cNvPr>
+          <p:cNvPicPr>
+            <a:picLocks noChangeAspect="1"/>
+          </p:cNvPicPr>
+          <p:nvPr/>
+        </p:nvPicPr>
+        <p:blipFill>
+          <a:blip r:embed="rId3">
+            <a:extLst>
+              <a:ext uri="{28A0092B-C50C-407E-A947-70E740481C1C}">
+                <a14:useLocalDpi xmlns:a14="http://schemas.microsoft.com/office/drawing/2010/main" val="0"/>
+              </a:ext>
+            </a:extLst>
+          </a:blip>
+          <a:stretch>
+            <a:fillRect/>
+          </a:stretch>
+        </p:blipFill>
+        <p:spPr>
+          <a:xfrm>
+            <a:off x="9185931" y="4233358"/>
+            <a:ext cx="1904400" cy="1904400"/>
+          </a:xfrm>
+          <a:prstGeom prst="rect">
+            <a:avLst/>
+          </a:prstGeom>
+        </p:spPr>
+      </p:pic>
+    </p:spTree>
+    <p:extLst>
+      <p:ext uri="{BB962C8B-B14F-4D97-AF65-F5344CB8AC3E}">
+        <p14:creationId xmlns:p14="http://schemas.microsoft.com/office/powerpoint/2010/main" val="1520015341"/>
+      </p:ext>
+    </p:extLst>
+  </p:cSld>
+  <p:clrMapOvr>
+    <a:masterClrMapping/>
+  </p:clrMapOvr>
+</p:sld>
+</file>
+
+<file path=ppt/slides/slide3.xml><?xml version="1.0" encoding="utf-8"?>
+<p:sld xmlns:a="http://schemas.openxmlformats.org/drawingml/2006/main" xmlns:r="http://schemas.openxmlformats.org/officeDocument/2006/relationships" xmlns:p="http://schemas.openxmlformats.org/presentationml/2006/main">
+  <p:cSld>
+    <p:bg>
+      <p:bgPr>
+        <a:solidFill>
+          <a:schemeClr val="accent2"/>
+        </a:solidFill>
+        <a:effectLst/>
+      </p:bgPr>
+    </p:bg>
+    <p:spTree>
+      <p:nvGrpSpPr>
+        <p:cNvPr id="1" name=""/>
+        <p:cNvGrpSpPr/>
+        <p:nvPr/>
+      </p:nvGrpSpPr>
+      <p:grpSpPr>
+        <a:xfrm>
+          <a:off x="0" y="0"/>
+          <a:ext cx="0" cy="0"/>
+          <a:chOff x="0" y="0"/>
+          <a:chExt cx="0" cy="0"/>
+        </a:xfrm>
+      </p:grpSpPr>
+      <p:sp>
+        <p:nvSpPr>
+          <p:cNvPr id="5" name="矩形 4">
+            <a:extLst>
+              <a:ext uri="{FF2B5EF4-FFF2-40B4-BE49-F238E27FC236}">
+                <a16:creationId xmlns:a16="http://schemas.microsoft.com/office/drawing/2014/main" id="{626933E3-0FF1-9DAC-37A4-102B2B3387D5}"/>
+              </a:ext>
+            </a:extLst>
+          </p:cNvPr>
+          <p:cNvSpPr/>
+          <p:nvPr/>
+        </p:nvSpPr>
+        <p:spPr>
+          <a:xfrm>
+            <a:off x="0" y="0"/>
+            <a:ext cx="10265790" cy="1102936"/>
+          </a:xfrm>
+          <a:prstGeom prst="rect">
+            <a:avLst/>
+          </a:prstGeom>
+          <a:solidFill>
+            <a:srgbClr val="3C4F68"/>
+          </a:solidFill>
+          <a:ln>
+            <a:noFill/>
+          </a:ln>
+        </p:spPr>
+        <p:style>
+          <a:lnRef idx="2">
+            <a:schemeClr val="accent1">
+              <a:shade val="15000"/>
+            </a:schemeClr>
+          </a:lnRef>
+          <a:fillRef idx="1">
+            <a:schemeClr val="accent1"/>
+          </a:fillRef>
+          <a:effectRef idx="0">
+            <a:schemeClr val="accent1"/>
+          </a:effectRef>
+          <a:fontRef idx="minor">
+            <a:schemeClr val="lt1"/>
+          </a:fontRef>
+        </p:style>
+        <p:txBody>
+          <a:bodyPr rtlCol="0" anchor="ctr"/>
+          <a:lstStyle/>
+          <a:p>
+            <a:pPr algn="ctr"/>
+            <a:endParaRPr lang="zh-CN" altLang="en-US" dirty="0"/>
+          </a:p>
+        </p:txBody>
+      </p:sp>
+      <p:sp>
+        <p:nvSpPr>
+          <p:cNvPr id="4" name="矩形: 圆角 3">
+            <a:extLst>
+              <a:ext uri="{FF2B5EF4-FFF2-40B4-BE49-F238E27FC236}">
+                <a16:creationId xmlns:a16="http://schemas.microsoft.com/office/drawing/2014/main" id="{8AB6344E-DFBC-2722-D12A-7F6245E2A6C3}"/>
+              </a:ext>
+            </a:extLst>
+          </p:cNvPr>
+          <p:cNvSpPr/>
+          <p:nvPr/>
+        </p:nvSpPr>
+        <p:spPr>
+          <a:xfrm>
+            <a:off x="312501" y="331033"/>
+            <a:ext cx="3029527" cy="440870"/>
+          </a:xfrm>
+          <a:prstGeom prst="roundRect">
+            <a:avLst/>
+          </a:prstGeom>
+          <a:solidFill>
+            <a:schemeClr val="bg2">
+              <a:lumMod val="90000"/>
+              <a:alpha val="40000"/>
+            </a:schemeClr>
+          </a:solidFill>
+          <a:ln>
+            <a:noFill/>
+          </a:ln>
+        </p:spPr>
+        <p:style>
+          <a:lnRef idx="2">
+            <a:schemeClr val="accent1">
+              <a:shade val="15000"/>
+            </a:schemeClr>
+          </a:lnRef>
+          <a:fillRef idx="1">
+            <a:schemeClr val="accent1"/>
+          </a:fillRef>
+          <a:effectRef idx="0">
+            <a:schemeClr val="accent1"/>
+          </a:effectRef>
+          <a:fontRef idx="minor">
+            <a:schemeClr val="lt1"/>
+          </a:fontRef>
+        </p:style>
+        <p:txBody>
+          <a:bodyPr rtlCol="0" anchor="ctr"/>
+          <a:lstStyle/>
+          <a:p>
+            <a:r>
+              <a:rPr lang="zh-CN" altLang="en-US" dirty="0">
+                <a:solidFill>
+                  <a:schemeClr val="bg1">
+                    <a:lumMod val="85000"/>
+                  </a:schemeClr>
+                </a:solidFill>
+              </a:rPr>
+              <a:t>     </a:t>
+            </a:r>
+            <a:r>
+              <a:rPr lang="zh-CN" altLang="en-US" sz="1400" dirty="0">
+                <a:solidFill>
+                  <a:schemeClr val="bg1">
+                    <a:lumMod val="85000"/>
+                  </a:schemeClr>
+                </a:solidFill>
+              </a:rPr>
+              <a:t>输入用户名搜索</a:t>
+            </a:r>
+            <a:endParaRPr lang="zh-CN" altLang="en-US" dirty="0">
+              <a:solidFill>
+                <a:schemeClr val="bg1">
+                  <a:lumMod val="85000"/>
+                </a:schemeClr>
+              </a:solidFill>
+            </a:endParaRPr>
+          </a:p>
+        </p:txBody>
+      </p:sp>
+      <p:pic>
+        <p:nvPicPr>
+          <p:cNvPr id="11" name="图片 10">
+            <a:extLst>
+              <a:ext uri="{FF2B5EF4-FFF2-40B4-BE49-F238E27FC236}">
+                <a16:creationId xmlns:a16="http://schemas.microsoft.com/office/drawing/2014/main" id="{8EFAB7D0-7985-D2C3-8FF7-C7163FD159F2}"/>
+              </a:ext>
+            </a:extLst>
+          </p:cNvPr>
+          <p:cNvPicPr>
+            <a:picLocks noChangeAspect="1"/>
+          </p:cNvPicPr>
+          <p:nvPr/>
+        </p:nvPicPr>
+        <p:blipFill>
+          <a:blip r:embed="rId2">
+            <a:extLst>
+              <a:ext uri="{28A0092B-C50C-407E-A947-70E740481C1C}">
+                <a14:useLocalDpi xmlns:a14="http://schemas.microsoft.com/office/drawing/2010/main" val="0"/>
+              </a:ext>
+            </a:extLst>
+          </a:blip>
+          <a:stretch>
+            <a:fillRect/>
+          </a:stretch>
+        </p:blipFill>
+        <p:spPr>
+          <a:xfrm>
+            <a:off x="394199" y="444533"/>
+            <a:ext cx="251577" cy="251577"/>
+          </a:xfrm>
+          <a:prstGeom prst="rect">
+            <a:avLst/>
+          </a:prstGeom>
+        </p:spPr>
+      </p:pic>
+    </p:spTree>
+    <p:extLst>
+      <p:ext uri="{BB962C8B-B14F-4D97-AF65-F5344CB8AC3E}">
+        <p14:creationId xmlns:p14="http://schemas.microsoft.com/office/powerpoint/2010/main" val="1106678936"/>
       </p:ext>
     </p:extLst>
   </p:cSld>
